--- a/ppt 16-9/0448.快救人.pptx
+++ b/ppt 16-9/0448.快救人.pptx
@@ -5,7 +5,7 @@
     <p:sldMasterId id="2147483648" r:id="rId1"/>
   </p:sldMasterIdLst>
   <p:sldIdLst>
-    <p:sldId id="2938" r:id="rId2"/>
+    <p:sldId id="2939" r:id="rId2"/>
   </p:sldIdLst>
   <p:sldSz cx="12192000" cy="6858000"/>
   <p:notesSz cx="6858000" cy="9144000"/>
@@ -129,7 +129,7 @@
           <p:cNvPr id="2" name="标题 1">
             <a:extLst>
               <a:ext uri="{FF2B5EF4-FFF2-40B4-BE49-F238E27FC236}">
-                <a16:creationId xmlns:a16="http://schemas.microsoft.com/office/drawing/2014/main" id="{47C6A93C-12AA-33EC-B73A-F1176E2DD05A}"/>
+                <a16:creationId xmlns:a16="http://schemas.microsoft.com/office/drawing/2014/main" id="{8143E2B1-5456-3652-1868-4022BA2BBF8E}"/>
               </a:ext>
             </a:extLst>
           </p:cNvPr>
@@ -166,7 +166,7 @@
           <p:cNvPr id="3" name="副标题 2">
             <a:extLst>
               <a:ext uri="{FF2B5EF4-FFF2-40B4-BE49-F238E27FC236}">
-                <a16:creationId xmlns:a16="http://schemas.microsoft.com/office/drawing/2014/main" id="{5D942CFC-A67B-6AE1-864C-67B8C26F33BF}"/>
+                <a16:creationId xmlns:a16="http://schemas.microsoft.com/office/drawing/2014/main" id="{90F34C41-7B2C-A4BD-5106-02F8444EC531}"/>
               </a:ext>
             </a:extLst>
           </p:cNvPr>
@@ -236,7 +236,7 @@
           <p:cNvPr id="4" name="日期占位符 3">
             <a:extLst>
               <a:ext uri="{FF2B5EF4-FFF2-40B4-BE49-F238E27FC236}">
-                <a16:creationId xmlns:a16="http://schemas.microsoft.com/office/drawing/2014/main" id="{017D1E47-F841-9FDA-63C4-B603292A18E9}"/>
+                <a16:creationId xmlns:a16="http://schemas.microsoft.com/office/drawing/2014/main" id="{90362269-6519-37A5-A594-96C28CFD30FB}"/>
               </a:ext>
             </a:extLst>
           </p:cNvPr>
@@ -252,7 +252,7 @@
           <a:bodyPr/>
           <a:lstStyle/>
           <a:p>
-            <a:fld id="{B994C52B-E20E-4BD2-8BB9-828068F6770D}" type="datetimeFigureOut">
+            <a:fld id="{9846D96B-5073-4FA1-8BC9-E1EB55A63684}" type="datetimeFigureOut">
               <a:rPr lang="zh-CN" altLang="en-US" smtClean="0"/>
               <a:t>2024/3/10</a:t>
             </a:fld>
@@ -265,7 +265,7 @@
           <p:cNvPr id="5" name="页脚占位符 4">
             <a:extLst>
               <a:ext uri="{FF2B5EF4-FFF2-40B4-BE49-F238E27FC236}">
-                <a16:creationId xmlns:a16="http://schemas.microsoft.com/office/drawing/2014/main" id="{67442AB2-EA8E-4A87-8FFE-54049F9D5385}"/>
+                <a16:creationId xmlns:a16="http://schemas.microsoft.com/office/drawing/2014/main" id="{5E5A224C-82A9-2827-8ECB-6EB9EBD11678}"/>
               </a:ext>
             </a:extLst>
           </p:cNvPr>
@@ -290,7 +290,7 @@
           <p:cNvPr id="6" name="灯片编号占位符 5">
             <a:extLst>
               <a:ext uri="{FF2B5EF4-FFF2-40B4-BE49-F238E27FC236}">
-                <a16:creationId xmlns:a16="http://schemas.microsoft.com/office/drawing/2014/main" id="{848C54EF-E183-9327-D838-FD58F7BE24C9}"/>
+                <a16:creationId xmlns:a16="http://schemas.microsoft.com/office/drawing/2014/main" id="{6B5CEA89-D255-A337-D153-759F30CC3D49}"/>
               </a:ext>
             </a:extLst>
           </p:cNvPr>
@@ -306,7 +306,7 @@
           <a:bodyPr/>
           <a:lstStyle/>
           <a:p>
-            <a:fld id="{1E090215-5FAE-4C30-9783-587F0047B793}" type="slidenum">
+            <a:fld id="{1D3BD276-3F51-4796-93B3-BC9A70D3F89F}" type="slidenum">
               <a:rPr lang="zh-CN" altLang="en-US" smtClean="0"/>
               <a:t>‹#›</a:t>
             </a:fld>
@@ -317,7 +317,7 @@
     </p:spTree>
     <p:extLst>
       <p:ext uri="{BB962C8B-B14F-4D97-AF65-F5344CB8AC3E}">
-        <p14:creationId xmlns:p14="http://schemas.microsoft.com/office/powerpoint/2010/main" val="78910166"/>
+        <p14:creationId xmlns:p14="http://schemas.microsoft.com/office/powerpoint/2010/main" val="664650715"/>
       </p:ext>
     </p:extLst>
   </p:cSld>
@@ -349,7 +349,7 @@
           <p:cNvPr id="2" name="标题 1">
             <a:extLst>
               <a:ext uri="{FF2B5EF4-FFF2-40B4-BE49-F238E27FC236}">
-                <a16:creationId xmlns:a16="http://schemas.microsoft.com/office/drawing/2014/main" id="{CFD8216B-8E6D-EE13-5861-5886B129959B}"/>
+                <a16:creationId xmlns:a16="http://schemas.microsoft.com/office/drawing/2014/main" id="{EDB2187D-C63D-2E11-223B-4C35477678B5}"/>
               </a:ext>
             </a:extLst>
           </p:cNvPr>
@@ -377,7 +377,7 @@
           <p:cNvPr id="3" name="竖排文字占位符 2">
             <a:extLst>
               <a:ext uri="{FF2B5EF4-FFF2-40B4-BE49-F238E27FC236}">
-                <a16:creationId xmlns:a16="http://schemas.microsoft.com/office/drawing/2014/main" id="{E19D1B8D-4A76-EE45-EC89-B153DA582A9E}"/>
+                <a16:creationId xmlns:a16="http://schemas.microsoft.com/office/drawing/2014/main" id="{4F0E4E42-1179-D9BF-8486-0630B948731D}"/>
               </a:ext>
             </a:extLst>
           </p:cNvPr>
@@ -434,7 +434,7 @@
           <p:cNvPr id="4" name="日期占位符 3">
             <a:extLst>
               <a:ext uri="{FF2B5EF4-FFF2-40B4-BE49-F238E27FC236}">
-                <a16:creationId xmlns:a16="http://schemas.microsoft.com/office/drawing/2014/main" id="{0B5DF95A-9436-DD65-CBDE-EB930C857D79}"/>
+                <a16:creationId xmlns:a16="http://schemas.microsoft.com/office/drawing/2014/main" id="{CE515C96-701D-E9F7-0D32-15EDB9316DAF}"/>
               </a:ext>
             </a:extLst>
           </p:cNvPr>
@@ -450,7 +450,7 @@
           <a:bodyPr/>
           <a:lstStyle/>
           <a:p>
-            <a:fld id="{B994C52B-E20E-4BD2-8BB9-828068F6770D}" type="datetimeFigureOut">
+            <a:fld id="{9846D96B-5073-4FA1-8BC9-E1EB55A63684}" type="datetimeFigureOut">
               <a:rPr lang="zh-CN" altLang="en-US" smtClean="0"/>
               <a:t>2024/3/10</a:t>
             </a:fld>
@@ -463,7 +463,7 @@
           <p:cNvPr id="5" name="页脚占位符 4">
             <a:extLst>
               <a:ext uri="{FF2B5EF4-FFF2-40B4-BE49-F238E27FC236}">
-                <a16:creationId xmlns:a16="http://schemas.microsoft.com/office/drawing/2014/main" id="{7967B08B-56F0-FE76-FE60-CD06F80105DC}"/>
+                <a16:creationId xmlns:a16="http://schemas.microsoft.com/office/drawing/2014/main" id="{B206EE79-0562-5020-6D46-EDE6FB2C406D}"/>
               </a:ext>
             </a:extLst>
           </p:cNvPr>
@@ -488,7 +488,7 @@
           <p:cNvPr id="6" name="灯片编号占位符 5">
             <a:extLst>
               <a:ext uri="{FF2B5EF4-FFF2-40B4-BE49-F238E27FC236}">
-                <a16:creationId xmlns:a16="http://schemas.microsoft.com/office/drawing/2014/main" id="{BF5AC0E3-0FB7-6743-ABDC-3D93BDBB96BD}"/>
+                <a16:creationId xmlns:a16="http://schemas.microsoft.com/office/drawing/2014/main" id="{27497D52-BC15-6FA3-A42F-BD8BE6E11A50}"/>
               </a:ext>
             </a:extLst>
           </p:cNvPr>
@@ -504,7 +504,7 @@
           <a:bodyPr/>
           <a:lstStyle/>
           <a:p>
-            <a:fld id="{1E090215-5FAE-4C30-9783-587F0047B793}" type="slidenum">
+            <a:fld id="{1D3BD276-3F51-4796-93B3-BC9A70D3F89F}" type="slidenum">
               <a:rPr lang="zh-CN" altLang="en-US" smtClean="0"/>
               <a:t>‹#›</a:t>
             </a:fld>
@@ -515,7 +515,7 @@
     </p:spTree>
     <p:extLst>
       <p:ext uri="{BB962C8B-B14F-4D97-AF65-F5344CB8AC3E}">
-        <p14:creationId xmlns:p14="http://schemas.microsoft.com/office/powerpoint/2010/main" val="22534073"/>
+        <p14:creationId xmlns:p14="http://schemas.microsoft.com/office/powerpoint/2010/main" val="3765731550"/>
       </p:ext>
     </p:extLst>
   </p:cSld>
@@ -547,7 +547,7 @@
           <p:cNvPr id="2" name="竖排标题 1">
             <a:extLst>
               <a:ext uri="{FF2B5EF4-FFF2-40B4-BE49-F238E27FC236}">
-                <a16:creationId xmlns:a16="http://schemas.microsoft.com/office/drawing/2014/main" id="{A3BC0656-8451-9982-47C8-D0F57724DC67}"/>
+                <a16:creationId xmlns:a16="http://schemas.microsoft.com/office/drawing/2014/main" id="{05F49EB8-B2ED-8B90-FE2F-E70EE7B645C6}"/>
               </a:ext>
             </a:extLst>
           </p:cNvPr>
@@ -580,7 +580,7 @@
           <p:cNvPr id="3" name="竖排文字占位符 2">
             <a:extLst>
               <a:ext uri="{FF2B5EF4-FFF2-40B4-BE49-F238E27FC236}">
-                <a16:creationId xmlns:a16="http://schemas.microsoft.com/office/drawing/2014/main" id="{A642CDCF-9365-41DC-6E13-172BD3DCA5B5}"/>
+                <a16:creationId xmlns:a16="http://schemas.microsoft.com/office/drawing/2014/main" id="{ECFBF972-8E87-B6D2-D397-F7B39A7B6A01}"/>
               </a:ext>
             </a:extLst>
           </p:cNvPr>
@@ -642,7 +642,7 @@
           <p:cNvPr id="4" name="日期占位符 3">
             <a:extLst>
               <a:ext uri="{FF2B5EF4-FFF2-40B4-BE49-F238E27FC236}">
-                <a16:creationId xmlns:a16="http://schemas.microsoft.com/office/drawing/2014/main" id="{84E230AA-2A1C-7FC9-5B5A-387DDBBDF79C}"/>
+                <a16:creationId xmlns:a16="http://schemas.microsoft.com/office/drawing/2014/main" id="{A2457E7C-E848-E1F9-BD97-8F20AE636AE3}"/>
               </a:ext>
             </a:extLst>
           </p:cNvPr>
@@ -658,7 +658,7 @@
           <a:bodyPr/>
           <a:lstStyle/>
           <a:p>
-            <a:fld id="{B994C52B-E20E-4BD2-8BB9-828068F6770D}" type="datetimeFigureOut">
+            <a:fld id="{9846D96B-5073-4FA1-8BC9-E1EB55A63684}" type="datetimeFigureOut">
               <a:rPr lang="zh-CN" altLang="en-US" smtClean="0"/>
               <a:t>2024/3/10</a:t>
             </a:fld>
@@ -671,7 +671,7 @@
           <p:cNvPr id="5" name="页脚占位符 4">
             <a:extLst>
               <a:ext uri="{FF2B5EF4-FFF2-40B4-BE49-F238E27FC236}">
-                <a16:creationId xmlns:a16="http://schemas.microsoft.com/office/drawing/2014/main" id="{5F5A68D3-736C-A7C8-E433-FBFD446BAD01}"/>
+                <a16:creationId xmlns:a16="http://schemas.microsoft.com/office/drawing/2014/main" id="{481C969C-C982-6C0D-8CF6-9A4BEC8595BF}"/>
               </a:ext>
             </a:extLst>
           </p:cNvPr>
@@ -696,7 +696,7 @@
           <p:cNvPr id="6" name="灯片编号占位符 5">
             <a:extLst>
               <a:ext uri="{FF2B5EF4-FFF2-40B4-BE49-F238E27FC236}">
-                <a16:creationId xmlns:a16="http://schemas.microsoft.com/office/drawing/2014/main" id="{2EE1D85D-411C-3129-F545-F55124266746}"/>
+                <a16:creationId xmlns:a16="http://schemas.microsoft.com/office/drawing/2014/main" id="{C05D9D0A-DF95-B26D-9B73-C09A7DC98A76}"/>
               </a:ext>
             </a:extLst>
           </p:cNvPr>
@@ -712,7 +712,7 @@
           <a:bodyPr/>
           <a:lstStyle/>
           <a:p>
-            <a:fld id="{1E090215-5FAE-4C30-9783-587F0047B793}" type="slidenum">
+            <a:fld id="{1D3BD276-3F51-4796-93B3-BC9A70D3F89F}" type="slidenum">
               <a:rPr lang="zh-CN" altLang="en-US" smtClean="0"/>
               <a:t>‹#›</a:t>
             </a:fld>
@@ -723,7 +723,7 @@
     </p:spTree>
     <p:extLst>
       <p:ext uri="{BB962C8B-B14F-4D97-AF65-F5344CB8AC3E}">
-        <p14:creationId xmlns:p14="http://schemas.microsoft.com/office/powerpoint/2010/main" val="3776223043"/>
+        <p14:creationId xmlns:p14="http://schemas.microsoft.com/office/powerpoint/2010/main" val="1874024426"/>
       </p:ext>
     </p:extLst>
   </p:cSld>
@@ -755,7 +755,7 @@
           <p:cNvPr id="2" name="标题 1">
             <a:extLst>
               <a:ext uri="{FF2B5EF4-FFF2-40B4-BE49-F238E27FC236}">
-                <a16:creationId xmlns:a16="http://schemas.microsoft.com/office/drawing/2014/main" id="{E716E7E5-61AB-DCE1-0F53-7170366CFBFE}"/>
+                <a16:creationId xmlns:a16="http://schemas.microsoft.com/office/drawing/2014/main" id="{4B6E3C53-A628-A6B1-59E5-E334E3A0730A}"/>
               </a:ext>
             </a:extLst>
           </p:cNvPr>
@@ -783,7 +783,7 @@
           <p:cNvPr id="3" name="内容占位符 2">
             <a:extLst>
               <a:ext uri="{FF2B5EF4-FFF2-40B4-BE49-F238E27FC236}">
-                <a16:creationId xmlns:a16="http://schemas.microsoft.com/office/drawing/2014/main" id="{586836D9-2411-CF96-8DCC-DAE92C5451C7}"/>
+                <a16:creationId xmlns:a16="http://schemas.microsoft.com/office/drawing/2014/main" id="{35C712B6-6879-B579-E53D-D794C01E35D2}"/>
               </a:ext>
             </a:extLst>
           </p:cNvPr>
@@ -840,7 +840,7 @@
           <p:cNvPr id="4" name="日期占位符 3">
             <a:extLst>
               <a:ext uri="{FF2B5EF4-FFF2-40B4-BE49-F238E27FC236}">
-                <a16:creationId xmlns:a16="http://schemas.microsoft.com/office/drawing/2014/main" id="{7FF456E5-CE38-478B-ACD5-DBB6BB3248E7}"/>
+                <a16:creationId xmlns:a16="http://schemas.microsoft.com/office/drawing/2014/main" id="{58BC7CE9-81C6-A845-2F2A-BCCB2B0FD1FE}"/>
               </a:ext>
             </a:extLst>
           </p:cNvPr>
@@ -856,7 +856,7 @@
           <a:bodyPr/>
           <a:lstStyle/>
           <a:p>
-            <a:fld id="{B994C52B-E20E-4BD2-8BB9-828068F6770D}" type="datetimeFigureOut">
+            <a:fld id="{9846D96B-5073-4FA1-8BC9-E1EB55A63684}" type="datetimeFigureOut">
               <a:rPr lang="zh-CN" altLang="en-US" smtClean="0"/>
               <a:t>2024/3/10</a:t>
             </a:fld>
@@ -869,7 +869,7 @@
           <p:cNvPr id="5" name="页脚占位符 4">
             <a:extLst>
               <a:ext uri="{FF2B5EF4-FFF2-40B4-BE49-F238E27FC236}">
-                <a16:creationId xmlns:a16="http://schemas.microsoft.com/office/drawing/2014/main" id="{8E225831-CDE8-62BE-573D-7973CE2404F3}"/>
+                <a16:creationId xmlns:a16="http://schemas.microsoft.com/office/drawing/2014/main" id="{CB88A27D-EF33-E737-F9C1-26A6CD3A7FC8}"/>
               </a:ext>
             </a:extLst>
           </p:cNvPr>
@@ -894,7 +894,7 @@
           <p:cNvPr id="6" name="灯片编号占位符 5">
             <a:extLst>
               <a:ext uri="{FF2B5EF4-FFF2-40B4-BE49-F238E27FC236}">
-                <a16:creationId xmlns:a16="http://schemas.microsoft.com/office/drawing/2014/main" id="{0F9FDEF3-BA5E-A7AF-1F21-D1F5B750FB5A}"/>
+                <a16:creationId xmlns:a16="http://schemas.microsoft.com/office/drawing/2014/main" id="{08ECD922-0413-57CF-8187-8BF356C77526}"/>
               </a:ext>
             </a:extLst>
           </p:cNvPr>
@@ -910,7 +910,7 @@
           <a:bodyPr/>
           <a:lstStyle/>
           <a:p>
-            <a:fld id="{1E090215-5FAE-4C30-9783-587F0047B793}" type="slidenum">
+            <a:fld id="{1D3BD276-3F51-4796-93B3-BC9A70D3F89F}" type="slidenum">
               <a:rPr lang="zh-CN" altLang="en-US" smtClean="0"/>
               <a:t>‹#›</a:t>
             </a:fld>
@@ -921,7 +921,7 @@
     </p:spTree>
     <p:extLst>
       <p:ext uri="{BB962C8B-B14F-4D97-AF65-F5344CB8AC3E}">
-        <p14:creationId xmlns:p14="http://schemas.microsoft.com/office/powerpoint/2010/main" val="2924268711"/>
+        <p14:creationId xmlns:p14="http://schemas.microsoft.com/office/powerpoint/2010/main" val="4244234057"/>
       </p:ext>
     </p:extLst>
   </p:cSld>
@@ -953,7 +953,7 @@
           <p:cNvPr id="2" name="标题 1">
             <a:extLst>
               <a:ext uri="{FF2B5EF4-FFF2-40B4-BE49-F238E27FC236}">
-                <a16:creationId xmlns:a16="http://schemas.microsoft.com/office/drawing/2014/main" id="{393C9725-B39F-FFCC-92D0-895527FAF890}"/>
+                <a16:creationId xmlns:a16="http://schemas.microsoft.com/office/drawing/2014/main" id="{F2666B48-F0D8-E4C1-2B65-127D62DF3376}"/>
               </a:ext>
             </a:extLst>
           </p:cNvPr>
@@ -990,7 +990,7 @@
           <p:cNvPr id="3" name="文本占位符 2">
             <a:extLst>
               <a:ext uri="{FF2B5EF4-FFF2-40B4-BE49-F238E27FC236}">
-                <a16:creationId xmlns:a16="http://schemas.microsoft.com/office/drawing/2014/main" id="{312FE8A7-F79E-B438-E8BC-5667660E5516}"/>
+                <a16:creationId xmlns:a16="http://schemas.microsoft.com/office/drawing/2014/main" id="{2DF6C064-410E-6B94-92BC-73F606EE05B4}"/>
               </a:ext>
             </a:extLst>
           </p:cNvPr>
@@ -1115,7 +1115,7 @@
           <p:cNvPr id="4" name="日期占位符 3">
             <a:extLst>
               <a:ext uri="{FF2B5EF4-FFF2-40B4-BE49-F238E27FC236}">
-                <a16:creationId xmlns:a16="http://schemas.microsoft.com/office/drawing/2014/main" id="{F567EA41-909F-80CA-D793-E8DF6F082F6C}"/>
+                <a16:creationId xmlns:a16="http://schemas.microsoft.com/office/drawing/2014/main" id="{47A5650F-F48F-D6E0-DBCB-09054FEC7C8E}"/>
               </a:ext>
             </a:extLst>
           </p:cNvPr>
@@ -1131,7 +1131,7 @@
           <a:bodyPr/>
           <a:lstStyle/>
           <a:p>
-            <a:fld id="{B994C52B-E20E-4BD2-8BB9-828068F6770D}" type="datetimeFigureOut">
+            <a:fld id="{9846D96B-5073-4FA1-8BC9-E1EB55A63684}" type="datetimeFigureOut">
               <a:rPr lang="zh-CN" altLang="en-US" smtClean="0"/>
               <a:t>2024/3/10</a:t>
             </a:fld>
@@ -1144,7 +1144,7 @@
           <p:cNvPr id="5" name="页脚占位符 4">
             <a:extLst>
               <a:ext uri="{FF2B5EF4-FFF2-40B4-BE49-F238E27FC236}">
-                <a16:creationId xmlns:a16="http://schemas.microsoft.com/office/drawing/2014/main" id="{8D16B7F3-F51E-B97C-F3C8-3C7733E966EF}"/>
+                <a16:creationId xmlns:a16="http://schemas.microsoft.com/office/drawing/2014/main" id="{C06CF7F1-D266-478A-9B4C-EC9E76F593FB}"/>
               </a:ext>
             </a:extLst>
           </p:cNvPr>
@@ -1169,7 +1169,7 @@
           <p:cNvPr id="6" name="灯片编号占位符 5">
             <a:extLst>
               <a:ext uri="{FF2B5EF4-FFF2-40B4-BE49-F238E27FC236}">
-                <a16:creationId xmlns:a16="http://schemas.microsoft.com/office/drawing/2014/main" id="{A6A2D165-68F4-2EA0-1747-C4E15C552B29}"/>
+                <a16:creationId xmlns:a16="http://schemas.microsoft.com/office/drawing/2014/main" id="{C019142E-2897-448A-6CFC-5D4EAE6AC1FC}"/>
               </a:ext>
             </a:extLst>
           </p:cNvPr>
@@ -1185,7 +1185,7 @@
           <a:bodyPr/>
           <a:lstStyle/>
           <a:p>
-            <a:fld id="{1E090215-5FAE-4C30-9783-587F0047B793}" type="slidenum">
+            <a:fld id="{1D3BD276-3F51-4796-93B3-BC9A70D3F89F}" type="slidenum">
               <a:rPr lang="zh-CN" altLang="en-US" smtClean="0"/>
               <a:t>‹#›</a:t>
             </a:fld>
@@ -1196,7 +1196,7 @@
     </p:spTree>
     <p:extLst>
       <p:ext uri="{BB962C8B-B14F-4D97-AF65-F5344CB8AC3E}">
-        <p14:creationId xmlns:p14="http://schemas.microsoft.com/office/powerpoint/2010/main" val="1892030766"/>
+        <p14:creationId xmlns:p14="http://schemas.microsoft.com/office/powerpoint/2010/main" val="4218567533"/>
       </p:ext>
     </p:extLst>
   </p:cSld>
@@ -1228,7 +1228,7 @@
           <p:cNvPr id="2" name="标题 1">
             <a:extLst>
               <a:ext uri="{FF2B5EF4-FFF2-40B4-BE49-F238E27FC236}">
-                <a16:creationId xmlns:a16="http://schemas.microsoft.com/office/drawing/2014/main" id="{7ED5AC38-6D07-64B5-436F-A86DD2862BCE}"/>
+                <a16:creationId xmlns:a16="http://schemas.microsoft.com/office/drawing/2014/main" id="{0F3CC7ED-D477-8B00-E7AA-F2139DEC4ECE}"/>
               </a:ext>
             </a:extLst>
           </p:cNvPr>
@@ -1256,7 +1256,7 @@
           <p:cNvPr id="3" name="内容占位符 2">
             <a:extLst>
               <a:ext uri="{FF2B5EF4-FFF2-40B4-BE49-F238E27FC236}">
-                <a16:creationId xmlns:a16="http://schemas.microsoft.com/office/drawing/2014/main" id="{89959DB0-95B1-F54F-7AA6-709DC870F91E}"/>
+                <a16:creationId xmlns:a16="http://schemas.microsoft.com/office/drawing/2014/main" id="{09565E62-0682-260E-AAD8-9A533822D38D}"/>
               </a:ext>
             </a:extLst>
           </p:cNvPr>
@@ -1318,7 +1318,7 @@
           <p:cNvPr id="4" name="内容占位符 3">
             <a:extLst>
               <a:ext uri="{FF2B5EF4-FFF2-40B4-BE49-F238E27FC236}">
-                <a16:creationId xmlns:a16="http://schemas.microsoft.com/office/drawing/2014/main" id="{D3ED3620-8F16-C44F-B352-3866BEF09FA9}"/>
+                <a16:creationId xmlns:a16="http://schemas.microsoft.com/office/drawing/2014/main" id="{21EF330A-A782-9F35-757F-89B30D0FD7D8}"/>
               </a:ext>
             </a:extLst>
           </p:cNvPr>
@@ -1380,7 +1380,7 @@
           <p:cNvPr id="5" name="日期占位符 4">
             <a:extLst>
               <a:ext uri="{FF2B5EF4-FFF2-40B4-BE49-F238E27FC236}">
-                <a16:creationId xmlns:a16="http://schemas.microsoft.com/office/drawing/2014/main" id="{97CD8E8F-B1D7-170A-2F02-BD4EB2791662}"/>
+                <a16:creationId xmlns:a16="http://schemas.microsoft.com/office/drawing/2014/main" id="{3E06F668-2221-298F-E8A9-4438E0675872}"/>
               </a:ext>
             </a:extLst>
           </p:cNvPr>
@@ -1396,7 +1396,7 @@
           <a:bodyPr/>
           <a:lstStyle/>
           <a:p>
-            <a:fld id="{B994C52B-E20E-4BD2-8BB9-828068F6770D}" type="datetimeFigureOut">
+            <a:fld id="{9846D96B-5073-4FA1-8BC9-E1EB55A63684}" type="datetimeFigureOut">
               <a:rPr lang="zh-CN" altLang="en-US" smtClean="0"/>
               <a:t>2024/3/10</a:t>
             </a:fld>
@@ -1409,7 +1409,7 @@
           <p:cNvPr id="6" name="页脚占位符 5">
             <a:extLst>
               <a:ext uri="{FF2B5EF4-FFF2-40B4-BE49-F238E27FC236}">
-                <a16:creationId xmlns:a16="http://schemas.microsoft.com/office/drawing/2014/main" id="{A1B7838A-255A-5CD7-CC4E-E0CE4782904A}"/>
+                <a16:creationId xmlns:a16="http://schemas.microsoft.com/office/drawing/2014/main" id="{02605AC8-610B-3F72-E457-949204B34FB3}"/>
               </a:ext>
             </a:extLst>
           </p:cNvPr>
@@ -1434,7 +1434,7 @@
           <p:cNvPr id="7" name="灯片编号占位符 6">
             <a:extLst>
               <a:ext uri="{FF2B5EF4-FFF2-40B4-BE49-F238E27FC236}">
-                <a16:creationId xmlns:a16="http://schemas.microsoft.com/office/drawing/2014/main" id="{7D60970D-2166-24AF-813E-8889D3198476}"/>
+                <a16:creationId xmlns:a16="http://schemas.microsoft.com/office/drawing/2014/main" id="{87834777-0E96-F3E9-9614-D4431DAABC06}"/>
               </a:ext>
             </a:extLst>
           </p:cNvPr>
@@ -1450,7 +1450,7 @@
           <a:bodyPr/>
           <a:lstStyle/>
           <a:p>
-            <a:fld id="{1E090215-5FAE-4C30-9783-587F0047B793}" type="slidenum">
+            <a:fld id="{1D3BD276-3F51-4796-93B3-BC9A70D3F89F}" type="slidenum">
               <a:rPr lang="zh-CN" altLang="en-US" smtClean="0"/>
               <a:t>‹#›</a:t>
             </a:fld>
@@ -1461,7 +1461,7 @@
     </p:spTree>
     <p:extLst>
       <p:ext uri="{BB962C8B-B14F-4D97-AF65-F5344CB8AC3E}">
-        <p14:creationId xmlns:p14="http://schemas.microsoft.com/office/powerpoint/2010/main" val="1516034339"/>
+        <p14:creationId xmlns:p14="http://schemas.microsoft.com/office/powerpoint/2010/main" val="2328529915"/>
       </p:ext>
     </p:extLst>
   </p:cSld>
@@ -1493,7 +1493,7 @@
           <p:cNvPr id="2" name="标题 1">
             <a:extLst>
               <a:ext uri="{FF2B5EF4-FFF2-40B4-BE49-F238E27FC236}">
-                <a16:creationId xmlns:a16="http://schemas.microsoft.com/office/drawing/2014/main" id="{38DB62C3-A4C1-4CF2-5997-D7293181195E}"/>
+                <a16:creationId xmlns:a16="http://schemas.microsoft.com/office/drawing/2014/main" id="{1B82A385-85E5-C71A-D7FB-15E9DD91C85A}"/>
               </a:ext>
             </a:extLst>
           </p:cNvPr>
@@ -1526,7 +1526,7 @@
           <p:cNvPr id="3" name="文本占位符 2">
             <a:extLst>
               <a:ext uri="{FF2B5EF4-FFF2-40B4-BE49-F238E27FC236}">
-                <a16:creationId xmlns:a16="http://schemas.microsoft.com/office/drawing/2014/main" id="{3FBC13AA-46D7-BC12-10F3-0A17AF23D5C9}"/>
+                <a16:creationId xmlns:a16="http://schemas.microsoft.com/office/drawing/2014/main" id="{B3B2D7DE-8276-F243-D4D5-17BDDA7771DB}"/>
               </a:ext>
             </a:extLst>
           </p:cNvPr>
@@ -1597,7 +1597,7 @@
           <p:cNvPr id="4" name="内容占位符 3">
             <a:extLst>
               <a:ext uri="{FF2B5EF4-FFF2-40B4-BE49-F238E27FC236}">
-                <a16:creationId xmlns:a16="http://schemas.microsoft.com/office/drawing/2014/main" id="{981046A9-4B68-08C5-211C-78D2E8D4E8E8}"/>
+                <a16:creationId xmlns:a16="http://schemas.microsoft.com/office/drawing/2014/main" id="{D387EDD0-E5C9-52DE-756E-B586941F19CD}"/>
               </a:ext>
             </a:extLst>
           </p:cNvPr>
@@ -1659,7 +1659,7 @@
           <p:cNvPr id="5" name="文本占位符 4">
             <a:extLst>
               <a:ext uri="{FF2B5EF4-FFF2-40B4-BE49-F238E27FC236}">
-                <a16:creationId xmlns:a16="http://schemas.microsoft.com/office/drawing/2014/main" id="{E18AF0CC-EAF9-DA5E-A064-06B9C5DFABC9}"/>
+                <a16:creationId xmlns:a16="http://schemas.microsoft.com/office/drawing/2014/main" id="{C6D1E61B-6E5A-27DF-0984-3377196F7650}"/>
               </a:ext>
             </a:extLst>
           </p:cNvPr>
@@ -1730,7 +1730,7 @@
           <p:cNvPr id="6" name="内容占位符 5">
             <a:extLst>
               <a:ext uri="{FF2B5EF4-FFF2-40B4-BE49-F238E27FC236}">
-                <a16:creationId xmlns:a16="http://schemas.microsoft.com/office/drawing/2014/main" id="{BF335769-76D0-B172-ED6A-47C24BF13672}"/>
+                <a16:creationId xmlns:a16="http://schemas.microsoft.com/office/drawing/2014/main" id="{72899E6D-131F-E417-3943-3FDAC5766848}"/>
               </a:ext>
             </a:extLst>
           </p:cNvPr>
@@ -1792,7 +1792,7 @@
           <p:cNvPr id="7" name="日期占位符 6">
             <a:extLst>
               <a:ext uri="{FF2B5EF4-FFF2-40B4-BE49-F238E27FC236}">
-                <a16:creationId xmlns:a16="http://schemas.microsoft.com/office/drawing/2014/main" id="{F5E38CCD-57E1-C7B1-B5B8-FA5F3526E055}"/>
+                <a16:creationId xmlns:a16="http://schemas.microsoft.com/office/drawing/2014/main" id="{D7EF3DDA-B19E-FA08-0342-39FACDB81167}"/>
               </a:ext>
             </a:extLst>
           </p:cNvPr>
@@ -1808,7 +1808,7 @@
           <a:bodyPr/>
           <a:lstStyle/>
           <a:p>
-            <a:fld id="{B994C52B-E20E-4BD2-8BB9-828068F6770D}" type="datetimeFigureOut">
+            <a:fld id="{9846D96B-5073-4FA1-8BC9-E1EB55A63684}" type="datetimeFigureOut">
               <a:rPr lang="zh-CN" altLang="en-US" smtClean="0"/>
               <a:t>2024/3/10</a:t>
             </a:fld>
@@ -1821,7 +1821,7 @@
           <p:cNvPr id="8" name="页脚占位符 7">
             <a:extLst>
               <a:ext uri="{FF2B5EF4-FFF2-40B4-BE49-F238E27FC236}">
-                <a16:creationId xmlns:a16="http://schemas.microsoft.com/office/drawing/2014/main" id="{1C875CEA-237C-DBA8-1280-DE3C91013DDA}"/>
+                <a16:creationId xmlns:a16="http://schemas.microsoft.com/office/drawing/2014/main" id="{D954A602-34D3-3E27-7B2E-5CBADE1ED0F4}"/>
               </a:ext>
             </a:extLst>
           </p:cNvPr>
@@ -1846,7 +1846,7 @@
           <p:cNvPr id="9" name="灯片编号占位符 8">
             <a:extLst>
               <a:ext uri="{FF2B5EF4-FFF2-40B4-BE49-F238E27FC236}">
-                <a16:creationId xmlns:a16="http://schemas.microsoft.com/office/drawing/2014/main" id="{86C77335-6833-A8A6-F841-E11406CD8EA2}"/>
+                <a16:creationId xmlns:a16="http://schemas.microsoft.com/office/drawing/2014/main" id="{78F9C804-0FC5-5069-EDEE-D55AA7465A77}"/>
               </a:ext>
             </a:extLst>
           </p:cNvPr>
@@ -1862,7 +1862,7 @@
           <a:bodyPr/>
           <a:lstStyle/>
           <a:p>
-            <a:fld id="{1E090215-5FAE-4C30-9783-587F0047B793}" type="slidenum">
+            <a:fld id="{1D3BD276-3F51-4796-93B3-BC9A70D3F89F}" type="slidenum">
               <a:rPr lang="zh-CN" altLang="en-US" smtClean="0"/>
               <a:t>‹#›</a:t>
             </a:fld>
@@ -1873,7 +1873,7 @@
     </p:spTree>
     <p:extLst>
       <p:ext uri="{BB962C8B-B14F-4D97-AF65-F5344CB8AC3E}">
-        <p14:creationId xmlns:p14="http://schemas.microsoft.com/office/powerpoint/2010/main" val="1262386838"/>
+        <p14:creationId xmlns:p14="http://schemas.microsoft.com/office/powerpoint/2010/main" val="3265286187"/>
       </p:ext>
     </p:extLst>
   </p:cSld>
@@ -1905,7 +1905,7 @@
           <p:cNvPr id="2" name="标题 1">
             <a:extLst>
               <a:ext uri="{FF2B5EF4-FFF2-40B4-BE49-F238E27FC236}">
-                <a16:creationId xmlns:a16="http://schemas.microsoft.com/office/drawing/2014/main" id="{4B4ADA9C-C8DC-29F9-C666-98FB3B15E2AC}"/>
+                <a16:creationId xmlns:a16="http://schemas.microsoft.com/office/drawing/2014/main" id="{DB8B3C7E-D512-13E1-8187-EEC61B11B559}"/>
               </a:ext>
             </a:extLst>
           </p:cNvPr>
@@ -1933,7 +1933,7 @@
           <p:cNvPr id="3" name="日期占位符 2">
             <a:extLst>
               <a:ext uri="{FF2B5EF4-FFF2-40B4-BE49-F238E27FC236}">
-                <a16:creationId xmlns:a16="http://schemas.microsoft.com/office/drawing/2014/main" id="{D48E000A-BAAB-0023-1F0D-8BE7E0056C70}"/>
+                <a16:creationId xmlns:a16="http://schemas.microsoft.com/office/drawing/2014/main" id="{A58DE8BE-9611-167F-B8AC-683A1E78FB00}"/>
               </a:ext>
             </a:extLst>
           </p:cNvPr>
@@ -1949,7 +1949,7 @@
           <a:bodyPr/>
           <a:lstStyle/>
           <a:p>
-            <a:fld id="{B994C52B-E20E-4BD2-8BB9-828068F6770D}" type="datetimeFigureOut">
+            <a:fld id="{9846D96B-5073-4FA1-8BC9-E1EB55A63684}" type="datetimeFigureOut">
               <a:rPr lang="zh-CN" altLang="en-US" smtClean="0"/>
               <a:t>2024/3/10</a:t>
             </a:fld>
@@ -1962,7 +1962,7 @@
           <p:cNvPr id="4" name="页脚占位符 3">
             <a:extLst>
               <a:ext uri="{FF2B5EF4-FFF2-40B4-BE49-F238E27FC236}">
-                <a16:creationId xmlns:a16="http://schemas.microsoft.com/office/drawing/2014/main" id="{5040D4FA-31A8-FC46-9313-8EE4177E45E9}"/>
+                <a16:creationId xmlns:a16="http://schemas.microsoft.com/office/drawing/2014/main" id="{E03C2577-C6C3-E11F-6812-298E8EA16C58}"/>
               </a:ext>
             </a:extLst>
           </p:cNvPr>
@@ -1987,7 +1987,7 @@
           <p:cNvPr id="5" name="灯片编号占位符 4">
             <a:extLst>
               <a:ext uri="{FF2B5EF4-FFF2-40B4-BE49-F238E27FC236}">
-                <a16:creationId xmlns:a16="http://schemas.microsoft.com/office/drawing/2014/main" id="{A74C7345-C7F8-13FD-96F9-D9EDC26AE6FC}"/>
+                <a16:creationId xmlns:a16="http://schemas.microsoft.com/office/drawing/2014/main" id="{2B963E39-77D8-A849-A268-260EAC9C829B}"/>
               </a:ext>
             </a:extLst>
           </p:cNvPr>
@@ -2003,7 +2003,7 @@
           <a:bodyPr/>
           <a:lstStyle/>
           <a:p>
-            <a:fld id="{1E090215-5FAE-4C30-9783-587F0047B793}" type="slidenum">
+            <a:fld id="{1D3BD276-3F51-4796-93B3-BC9A70D3F89F}" type="slidenum">
               <a:rPr lang="zh-CN" altLang="en-US" smtClean="0"/>
               <a:t>‹#›</a:t>
             </a:fld>
@@ -2014,7 +2014,7 @@
     </p:spTree>
     <p:extLst>
       <p:ext uri="{BB962C8B-B14F-4D97-AF65-F5344CB8AC3E}">
-        <p14:creationId xmlns:p14="http://schemas.microsoft.com/office/powerpoint/2010/main" val="433386615"/>
+        <p14:creationId xmlns:p14="http://schemas.microsoft.com/office/powerpoint/2010/main" val="1325448675"/>
       </p:ext>
     </p:extLst>
   </p:cSld>
@@ -2046,7 +2046,7 @@
           <p:cNvPr id="2" name="日期占位符 1">
             <a:extLst>
               <a:ext uri="{FF2B5EF4-FFF2-40B4-BE49-F238E27FC236}">
-                <a16:creationId xmlns:a16="http://schemas.microsoft.com/office/drawing/2014/main" id="{7C3E412A-F6D3-32B8-A36A-6AA153089F08}"/>
+                <a16:creationId xmlns:a16="http://schemas.microsoft.com/office/drawing/2014/main" id="{546AFEE9-82F8-189A-E086-23220E4172B7}"/>
               </a:ext>
             </a:extLst>
           </p:cNvPr>
@@ -2062,7 +2062,7 @@
           <a:bodyPr/>
           <a:lstStyle/>
           <a:p>
-            <a:fld id="{B994C52B-E20E-4BD2-8BB9-828068F6770D}" type="datetimeFigureOut">
+            <a:fld id="{9846D96B-5073-4FA1-8BC9-E1EB55A63684}" type="datetimeFigureOut">
               <a:rPr lang="zh-CN" altLang="en-US" smtClean="0"/>
               <a:t>2024/3/10</a:t>
             </a:fld>
@@ -2075,7 +2075,7 @@
           <p:cNvPr id="3" name="页脚占位符 2">
             <a:extLst>
               <a:ext uri="{FF2B5EF4-FFF2-40B4-BE49-F238E27FC236}">
-                <a16:creationId xmlns:a16="http://schemas.microsoft.com/office/drawing/2014/main" id="{0CA815FF-587B-2F1C-57B1-3D234A2E38A5}"/>
+                <a16:creationId xmlns:a16="http://schemas.microsoft.com/office/drawing/2014/main" id="{B1936C1C-DEB9-23DD-25A9-E34FC1717000}"/>
               </a:ext>
             </a:extLst>
           </p:cNvPr>
@@ -2100,7 +2100,7 @@
           <p:cNvPr id="4" name="灯片编号占位符 3">
             <a:extLst>
               <a:ext uri="{FF2B5EF4-FFF2-40B4-BE49-F238E27FC236}">
-                <a16:creationId xmlns:a16="http://schemas.microsoft.com/office/drawing/2014/main" id="{F3179F13-31E5-8F69-05AD-9E507AE807ED}"/>
+                <a16:creationId xmlns:a16="http://schemas.microsoft.com/office/drawing/2014/main" id="{E00FA0E6-5448-3BE4-1A65-5FE8B856F743}"/>
               </a:ext>
             </a:extLst>
           </p:cNvPr>
@@ -2116,7 +2116,7 @@
           <a:bodyPr/>
           <a:lstStyle/>
           <a:p>
-            <a:fld id="{1E090215-5FAE-4C30-9783-587F0047B793}" type="slidenum">
+            <a:fld id="{1D3BD276-3F51-4796-93B3-BC9A70D3F89F}" type="slidenum">
               <a:rPr lang="zh-CN" altLang="en-US" smtClean="0"/>
               <a:t>‹#›</a:t>
             </a:fld>
@@ -2127,7 +2127,7 @@
     </p:spTree>
     <p:extLst>
       <p:ext uri="{BB962C8B-B14F-4D97-AF65-F5344CB8AC3E}">
-        <p14:creationId xmlns:p14="http://schemas.microsoft.com/office/powerpoint/2010/main" val="748250007"/>
+        <p14:creationId xmlns:p14="http://schemas.microsoft.com/office/powerpoint/2010/main" val="304839800"/>
       </p:ext>
     </p:extLst>
   </p:cSld>
@@ -2159,7 +2159,7 @@
           <p:cNvPr id="2" name="标题 1">
             <a:extLst>
               <a:ext uri="{FF2B5EF4-FFF2-40B4-BE49-F238E27FC236}">
-                <a16:creationId xmlns:a16="http://schemas.microsoft.com/office/drawing/2014/main" id="{5DBA862B-BF61-C218-21EA-6D6967341385}"/>
+                <a16:creationId xmlns:a16="http://schemas.microsoft.com/office/drawing/2014/main" id="{0864C04E-61C9-1285-C0C5-16486E9F7F6C}"/>
               </a:ext>
             </a:extLst>
           </p:cNvPr>
@@ -2196,7 +2196,7 @@
           <p:cNvPr id="3" name="内容占位符 2">
             <a:extLst>
               <a:ext uri="{FF2B5EF4-FFF2-40B4-BE49-F238E27FC236}">
-                <a16:creationId xmlns:a16="http://schemas.microsoft.com/office/drawing/2014/main" id="{9FE15DA8-5495-957A-7812-9BF07364810F}"/>
+                <a16:creationId xmlns:a16="http://schemas.microsoft.com/office/drawing/2014/main" id="{E4F0D24A-36F2-9EB6-794C-E0733636F35F}"/>
               </a:ext>
             </a:extLst>
           </p:cNvPr>
@@ -2286,7 +2286,7 @@
           <p:cNvPr id="4" name="文本占位符 3">
             <a:extLst>
               <a:ext uri="{FF2B5EF4-FFF2-40B4-BE49-F238E27FC236}">
-                <a16:creationId xmlns:a16="http://schemas.microsoft.com/office/drawing/2014/main" id="{C97D141F-80B9-5E7C-5810-44690A0149DE}"/>
+                <a16:creationId xmlns:a16="http://schemas.microsoft.com/office/drawing/2014/main" id="{7A46BA22-5150-A665-F78D-2388AC8A6458}"/>
               </a:ext>
             </a:extLst>
           </p:cNvPr>
@@ -2357,7 +2357,7 @@
           <p:cNvPr id="5" name="日期占位符 4">
             <a:extLst>
               <a:ext uri="{FF2B5EF4-FFF2-40B4-BE49-F238E27FC236}">
-                <a16:creationId xmlns:a16="http://schemas.microsoft.com/office/drawing/2014/main" id="{12A0F84A-F8A4-81F7-F031-03DA9D265FFC}"/>
+                <a16:creationId xmlns:a16="http://schemas.microsoft.com/office/drawing/2014/main" id="{6FBD92F6-15D2-902D-CCA5-E753A082331E}"/>
               </a:ext>
             </a:extLst>
           </p:cNvPr>
@@ -2373,7 +2373,7 @@
           <a:bodyPr/>
           <a:lstStyle/>
           <a:p>
-            <a:fld id="{B994C52B-E20E-4BD2-8BB9-828068F6770D}" type="datetimeFigureOut">
+            <a:fld id="{9846D96B-5073-4FA1-8BC9-E1EB55A63684}" type="datetimeFigureOut">
               <a:rPr lang="zh-CN" altLang="en-US" smtClean="0"/>
               <a:t>2024/3/10</a:t>
             </a:fld>
@@ -2386,7 +2386,7 @@
           <p:cNvPr id="6" name="页脚占位符 5">
             <a:extLst>
               <a:ext uri="{FF2B5EF4-FFF2-40B4-BE49-F238E27FC236}">
-                <a16:creationId xmlns:a16="http://schemas.microsoft.com/office/drawing/2014/main" id="{CCE4F3EF-77F2-746F-ED9D-2D877B19B170}"/>
+                <a16:creationId xmlns:a16="http://schemas.microsoft.com/office/drawing/2014/main" id="{097E5DDB-A26B-A97F-92AC-E5860450BDC6}"/>
               </a:ext>
             </a:extLst>
           </p:cNvPr>
@@ -2411,7 +2411,7 @@
           <p:cNvPr id="7" name="灯片编号占位符 6">
             <a:extLst>
               <a:ext uri="{FF2B5EF4-FFF2-40B4-BE49-F238E27FC236}">
-                <a16:creationId xmlns:a16="http://schemas.microsoft.com/office/drawing/2014/main" id="{190D6263-4A78-FE93-6CB3-67D8CBB1CBA8}"/>
+                <a16:creationId xmlns:a16="http://schemas.microsoft.com/office/drawing/2014/main" id="{973A781E-23E8-BF8F-B220-7FD7461F4A5C}"/>
               </a:ext>
             </a:extLst>
           </p:cNvPr>
@@ -2427,7 +2427,7 @@
           <a:bodyPr/>
           <a:lstStyle/>
           <a:p>
-            <a:fld id="{1E090215-5FAE-4C30-9783-587F0047B793}" type="slidenum">
+            <a:fld id="{1D3BD276-3F51-4796-93B3-BC9A70D3F89F}" type="slidenum">
               <a:rPr lang="zh-CN" altLang="en-US" smtClean="0"/>
               <a:t>‹#›</a:t>
             </a:fld>
@@ -2438,7 +2438,7 @@
     </p:spTree>
     <p:extLst>
       <p:ext uri="{BB962C8B-B14F-4D97-AF65-F5344CB8AC3E}">
-        <p14:creationId xmlns:p14="http://schemas.microsoft.com/office/powerpoint/2010/main" val="3383447426"/>
+        <p14:creationId xmlns:p14="http://schemas.microsoft.com/office/powerpoint/2010/main" val="1370993407"/>
       </p:ext>
     </p:extLst>
   </p:cSld>
@@ -2470,7 +2470,7 @@
           <p:cNvPr id="2" name="标题 1">
             <a:extLst>
               <a:ext uri="{FF2B5EF4-FFF2-40B4-BE49-F238E27FC236}">
-                <a16:creationId xmlns:a16="http://schemas.microsoft.com/office/drawing/2014/main" id="{71EF0ACE-B368-8519-5A83-3916D7AF3381}"/>
+                <a16:creationId xmlns:a16="http://schemas.microsoft.com/office/drawing/2014/main" id="{B0A0B59B-93C9-3146-2421-4D3740C6D4C2}"/>
               </a:ext>
             </a:extLst>
           </p:cNvPr>
@@ -2507,7 +2507,7 @@
           <p:cNvPr id="3" name="图片占位符 2">
             <a:extLst>
               <a:ext uri="{FF2B5EF4-FFF2-40B4-BE49-F238E27FC236}">
-                <a16:creationId xmlns:a16="http://schemas.microsoft.com/office/drawing/2014/main" id="{FE8B158C-65A2-5034-6F97-5D797FDCEAA4}"/>
+                <a16:creationId xmlns:a16="http://schemas.microsoft.com/office/drawing/2014/main" id="{29A5B7D5-FB18-40DB-D2B9-AD049C1371A8}"/>
               </a:ext>
             </a:extLst>
           </p:cNvPr>
@@ -2574,7 +2574,7 @@
           <p:cNvPr id="4" name="文本占位符 3">
             <a:extLst>
               <a:ext uri="{FF2B5EF4-FFF2-40B4-BE49-F238E27FC236}">
-                <a16:creationId xmlns:a16="http://schemas.microsoft.com/office/drawing/2014/main" id="{9D48B200-8D5B-6B00-C896-C9F76DF5D00E}"/>
+                <a16:creationId xmlns:a16="http://schemas.microsoft.com/office/drawing/2014/main" id="{E6F64C88-E5CA-A147-F2FF-5B94E6D9CBB7}"/>
               </a:ext>
             </a:extLst>
           </p:cNvPr>
@@ -2645,7 +2645,7 @@
           <p:cNvPr id="5" name="日期占位符 4">
             <a:extLst>
               <a:ext uri="{FF2B5EF4-FFF2-40B4-BE49-F238E27FC236}">
-                <a16:creationId xmlns:a16="http://schemas.microsoft.com/office/drawing/2014/main" id="{34380832-4FAE-8F1D-AE6A-293097222D37}"/>
+                <a16:creationId xmlns:a16="http://schemas.microsoft.com/office/drawing/2014/main" id="{CBD0148C-E738-2D60-F2B6-B23A48E4062D}"/>
               </a:ext>
             </a:extLst>
           </p:cNvPr>
@@ -2661,7 +2661,7 @@
           <a:bodyPr/>
           <a:lstStyle/>
           <a:p>
-            <a:fld id="{B994C52B-E20E-4BD2-8BB9-828068F6770D}" type="datetimeFigureOut">
+            <a:fld id="{9846D96B-5073-4FA1-8BC9-E1EB55A63684}" type="datetimeFigureOut">
               <a:rPr lang="zh-CN" altLang="en-US" smtClean="0"/>
               <a:t>2024/3/10</a:t>
             </a:fld>
@@ -2674,7 +2674,7 @@
           <p:cNvPr id="6" name="页脚占位符 5">
             <a:extLst>
               <a:ext uri="{FF2B5EF4-FFF2-40B4-BE49-F238E27FC236}">
-                <a16:creationId xmlns:a16="http://schemas.microsoft.com/office/drawing/2014/main" id="{23BD9492-003C-0D73-EA22-631E46028CBB}"/>
+                <a16:creationId xmlns:a16="http://schemas.microsoft.com/office/drawing/2014/main" id="{D61F823F-C38F-09EE-F0EC-369B4D79F406}"/>
               </a:ext>
             </a:extLst>
           </p:cNvPr>
@@ -2699,7 +2699,7 @@
           <p:cNvPr id="7" name="灯片编号占位符 6">
             <a:extLst>
               <a:ext uri="{FF2B5EF4-FFF2-40B4-BE49-F238E27FC236}">
-                <a16:creationId xmlns:a16="http://schemas.microsoft.com/office/drawing/2014/main" id="{EDDE86FA-059E-A4AC-EEAD-4F3C6E84DC7A}"/>
+                <a16:creationId xmlns:a16="http://schemas.microsoft.com/office/drawing/2014/main" id="{634B85F8-323C-EA8C-09E6-4C13BD06250E}"/>
               </a:ext>
             </a:extLst>
           </p:cNvPr>
@@ -2715,7 +2715,7 @@
           <a:bodyPr/>
           <a:lstStyle/>
           <a:p>
-            <a:fld id="{1E090215-5FAE-4C30-9783-587F0047B793}" type="slidenum">
+            <a:fld id="{1D3BD276-3F51-4796-93B3-BC9A70D3F89F}" type="slidenum">
               <a:rPr lang="zh-CN" altLang="en-US" smtClean="0"/>
               <a:t>‹#›</a:t>
             </a:fld>
@@ -2726,7 +2726,7 @@
     </p:spTree>
     <p:extLst>
       <p:ext uri="{BB962C8B-B14F-4D97-AF65-F5344CB8AC3E}">
-        <p14:creationId xmlns:p14="http://schemas.microsoft.com/office/powerpoint/2010/main" val="432422618"/>
+        <p14:creationId xmlns:p14="http://schemas.microsoft.com/office/powerpoint/2010/main" val="3121103095"/>
       </p:ext>
     </p:extLst>
   </p:cSld>
@@ -2763,7 +2763,7 @@
           <p:cNvPr id="2" name="标题占位符 1">
             <a:extLst>
               <a:ext uri="{FF2B5EF4-FFF2-40B4-BE49-F238E27FC236}">
-                <a16:creationId xmlns:a16="http://schemas.microsoft.com/office/drawing/2014/main" id="{CA40ED4D-96EE-7CAD-3C4F-DD15F3525444}"/>
+                <a16:creationId xmlns:a16="http://schemas.microsoft.com/office/drawing/2014/main" id="{B2D63847-2A5C-7C2B-98A2-BB5C0D175496}"/>
               </a:ext>
             </a:extLst>
           </p:cNvPr>
@@ -2801,7 +2801,7 @@
           <p:cNvPr id="3" name="文本占位符 2">
             <a:extLst>
               <a:ext uri="{FF2B5EF4-FFF2-40B4-BE49-F238E27FC236}">
-                <a16:creationId xmlns:a16="http://schemas.microsoft.com/office/drawing/2014/main" id="{0ABC2A45-EDB2-BB77-05AD-31F85C6D3F20}"/>
+                <a16:creationId xmlns:a16="http://schemas.microsoft.com/office/drawing/2014/main" id="{08596C1F-2EBA-1D95-77DF-194AD7DBACA4}"/>
               </a:ext>
             </a:extLst>
           </p:cNvPr>
@@ -2868,7 +2868,7 @@
           <p:cNvPr id="4" name="日期占位符 3">
             <a:extLst>
               <a:ext uri="{FF2B5EF4-FFF2-40B4-BE49-F238E27FC236}">
-                <a16:creationId xmlns:a16="http://schemas.microsoft.com/office/drawing/2014/main" id="{E2618BA9-67B6-775B-86E6-9B169ED67F26}"/>
+                <a16:creationId xmlns:a16="http://schemas.microsoft.com/office/drawing/2014/main" id="{8B18ED6B-70A2-939F-0CD8-0983C3D8D057}"/>
               </a:ext>
             </a:extLst>
           </p:cNvPr>
@@ -2902,7 +2902,7 @@
             </a:lvl1pPr>
           </a:lstStyle>
           <a:p>
-            <a:fld id="{B994C52B-E20E-4BD2-8BB9-828068F6770D}" type="datetimeFigureOut">
+            <a:fld id="{9846D96B-5073-4FA1-8BC9-E1EB55A63684}" type="datetimeFigureOut">
               <a:rPr lang="zh-CN" altLang="en-US" smtClean="0"/>
               <a:t>2024/3/10</a:t>
             </a:fld>
@@ -2915,7 +2915,7 @@
           <p:cNvPr id="5" name="页脚占位符 4">
             <a:extLst>
               <a:ext uri="{FF2B5EF4-FFF2-40B4-BE49-F238E27FC236}">
-                <a16:creationId xmlns:a16="http://schemas.microsoft.com/office/drawing/2014/main" id="{0CDFE3EE-358B-A2D7-E82A-9440831DA2A8}"/>
+                <a16:creationId xmlns:a16="http://schemas.microsoft.com/office/drawing/2014/main" id="{5D2AA995-4BE0-61A0-ADB1-C767ACBF4493}"/>
               </a:ext>
             </a:extLst>
           </p:cNvPr>
@@ -2958,7 +2958,7 @@
           <p:cNvPr id="6" name="灯片编号占位符 5">
             <a:extLst>
               <a:ext uri="{FF2B5EF4-FFF2-40B4-BE49-F238E27FC236}">
-                <a16:creationId xmlns:a16="http://schemas.microsoft.com/office/drawing/2014/main" id="{1566F16F-7801-5622-1329-2692703A31DD}"/>
+                <a16:creationId xmlns:a16="http://schemas.microsoft.com/office/drawing/2014/main" id="{E7B864F8-D95F-7C71-02A7-0F47449EDAE5}"/>
               </a:ext>
             </a:extLst>
           </p:cNvPr>
@@ -2992,7 +2992,7 @@
             </a:lvl1pPr>
           </a:lstStyle>
           <a:p>
-            <a:fld id="{1E090215-5FAE-4C30-9783-587F0047B793}" type="slidenum">
+            <a:fld id="{1D3BD276-3F51-4796-93B3-BC9A70D3F89F}" type="slidenum">
               <a:rPr lang="zh-CN" altLang="en-US" smtClean="0"/>
               <a:t>‹#›</a:t>
             </a:fld>
@@ -3003,7 +3003,7 @@
     </p:spTree>
     <p:extLst>
       <p:ext uri="{BB962C8B-B14F-4D97-AF65-F5344CB8AC3E}">
-        <p14:creationId xmlns:p14="http://schemas.microsoft.com/office/powerpoint/2010/main" val="137184033"/>
+        <p14:creationId xmlns:p14="http://schemas.microsoft.com/office/powerpoint/2010/main" val="2007528382"/>
       </p:ext>
     </p:extLst>
   </p:cSld>
@@ -3323,7 +3323,7 @@
       </p:grpSpPr>
       <p:pic>
         <p:nvPicPr>
-          <p:cNvPr id="458754" name="Picture 2" descr="447"/>
+          <p:cNvPr id="459778" name="Picture 2" descr="448"/>
           <p:cNvPicPr>
             <a:picLocks noChangeAspect="1" noChangeArrowheads="1"/>
           </p:cNvPicPr>
@@ -3375,11 +3375,158 @@
           </a:extLst>
         </p:spPr>
       </p:pic>
+      <p:pic>
+        <p:nvPicPr>
+          <p:cNvPr id="460803" name="Picture 3" descr="448-2"/>
+          <p:cNvPicPr>
+            <a:picLocks noChangeAspect="1" noChangeArrowheads="1"/>
+          </p:cNvPicPr>
+          <p:nvPr/>
+        </p:nvPicPr>
+        <p:blipFill>
+          <a:blip r:embed="rId3">
+            <a:extLst>
+              <a:ext uri="{28A0092B-C50C-407E-A947-70E740481C1C}">
+                <a14:useLocalDpi xmlns:a14="http://schemas.microsoft.com/office/drawing/2010/main" val="0"/>
+              </a:ext>
+            </a:extLst>
+          </a:blip>
+          <a:srcRect/>
+          <a:stretch>
+            <a:fillRect/>
+          </a:stretch>
+        </p:blipFill>
+        <p:spPr bwMode="auto">
+          <a:xfrm>
+            <a:off x="1503362" y="-11113"/>
+            <a:ext cx="9128126" cy="6842126"/>
+          </a:xfrm>
+          <a:prstGeom prst="rect">
+            <a:avLst/>
+          </a:prstGeom>
+          <a:noFill/>
+          <a:ln>
+            <a:noFill/>
+          </a:ln>
+          <a:effectLst/>
+          <a:extLst>
+            <a:ext uri="{909E8E84-426E-40DD-AFC4-6F175D3DCCD1}">
+              <a14:hiddenFill xmlns:a14="http://schemas.microsoft.com/office/drawing/2010/main">
+                <a:solidFill>
+                  <a:srgbClr val="FFFFFF"/>
+                </a:solidFill>
+              </a14:hiddenFill>
+            </a:ext>
+            <a:ext uri="{91240B29-F687-4F45-9708-019B960494DF}">
+              <a14:hiddenLine xmlns:a14="http://schemas.microsoft.com/office/drawing/2010/main" w="9525">
+                <a:solidFill>
+                  <a:srgbClr val="000000"/>
+                </a:solidFill>
+                <a:miter lim="800000"/>
+                <a:headEnd/>
+                <a:tailEnd/>
+              </a14:hiddenLine>
+            </a:ext>
+            <a:ext uri="{AF507438-7753-43E0-B8FC-AC1667EBCBE1}">
+              <a14:hiddenEffects xmlns:a14="http://schemas.microsoft.com/office/drawing/2010/main">
+                <a:effectLst>
+                  <a:outerShdw dist="35921" dir="2700000" algn="ctr" rotWithShape="0">
+                    <a:srgbClr val="808080"/>
+                  </a:outerShdw>
+                </a:effectLst>
+              </a14:hiddenEffects>
+            </a:ext>
+          </a:extLst>
+        </p:spPr>
+      </p:pic>
     </p:spTree>
   </p:cSld>
   <p:clrMapOvr>
     <a:masterClrMapping/>
   </p:clrMapOvr>
+  <p:timing>
+    <p:tnLst>
+      <p:par>
+        <p:cTn id="1" dur="indefinite" restart="never" nodeType="tmRoot">
+          <p:childTnLst>
+            <p:seq concurrent="1" nextAc="seek">
+              <p:cTn id="2" dur="indefinite" nodeType="mainSeq">
+                <p:childTnLst>
+                  <p:par>
+                    <p:cTn id="3" fill="hold" nodeType="clickPar">
+                      <p:stCondLst>
+                        <p:cond delay="indefinite"/>
+                      </p:stCondLst>
+                      <p:childTnLst>
+                        <p:par>
+                          <p:cTn id="4" fill="hold" nodeType="withGroup">
+                            <p:stCondLst>
+                              <p:cond delay="0"/>
+                            </p:stCondLst>
+                            <p:childTnLst>
+                              <p:par>
+                                <p:cTn id="5" presetID="10" presetClass="entr" presetSubtype="0" fill="hold" nodeType="clickEffect">
+                                  <p:stCondLst>
+                                    <p:cond delay="0"/>
+                                  </p:stCondLst>
+                                  <p:childTnLst>
+                                    <p:set>
+                                      <p:cBhvr>
+                                        <p:cTn id="6" dur="1" fill="hold">
+                                          <p:stCondLst>
+                                            <p:cond delay="0"/>
+                                          </p:stCondLst>
+                                        </p:cTn>
+                                        <p:tgtEl>
+                                          <p:spTgt spid="460803"/>
+                                        </p:tgtEl>
+                                        <p:attrNameLst>
+                                          <p:attrName>style.visibility</p:attrName>
+                                        </p:attrNameLst>
+                                      </p:cBhvr>
+                                      <p:to>
+                                        <p:strVal val="visible"/>
+                                      </p:to>
+                                    </p:set>
+                                    <p:animEffect transition="in" filter="fade">
+                                      <p:cBhvr>
+                                        <p:cTn id="7" dur="500"/>
+                                        <p:tgtEl>
+                                          <p:spTgt spid="460803"/>
+                                        </p:tgtEl>
+                                      </p:cBhvr>
+                                    </p:animEffect>
+                                  </p:childTnLst>
+                                </p:cTn>
+                              </p:par>
+                            </p:childTnLst>
+                          </p:cTn>
+                        </p:par>
+                      </p:childTnLst>
+                    </p:cTn>
+                  </p:par>
+                </p:childTnLst>
+              </p:cTn>
+              <p:prevCondLst>
+                <p:cond evt="onPrev" delay="0">
+                  <p:tgtEl>
+                    <p:sldTgt/>
+                  </p:tgtEl>
+                </p:cond>
+              </p:prevCondLst>
+              <p:nextCondLst>
+                <p:cond evt="onNext" delay="0">
+                  <p:tgtEl>
+                    <p:sldTgt/>
+                  </p:tgtEl>
+                </p:cond>
+              </p:nextCondLst>
+            </p:seq>
+          </p:childTnLst>
+        </p:cTn>
+      </p:par>
+    </p:tnLst>
+  </p:timing>
 </p:sld>
 </file>
 
